--- a/Pydash.pptx
+++ b/Pydash.pptx
@@ -302,7 +302,7 @@
           <a:p>
             <a:fld id="{4AAD347D-5ACD-4C99-B74B-A9C85AD731AF}" type="datetimeFigureOut">
               <a:rPr lang="en-US" dirty="0"/>
-              <a:t>12/29/2021</a:t>
+              <a:t>1/14/2022</a:t>
             </a:fld>
             <a:endParaRPr lang="en-US" dirty="0"/>
           </a:p>
@@ -572,7 +572,7 @@
           <a:p>
             <a:fld id="{4509A250-FF31-4206-8172-F9D3106AACB1}" type="datetimeFigureOut">
               <a:rPr lang="en-US" dirty="0"/>
-              <a:t>12/29/2021</a:t>
+              <a:t>1/14/2022</a:t>
             </a:fld>
             <a:endParaRPr lang="en-US" dirty="0"/>
           </a:p>
@@ -761,7 +761,7 @@
           <a:p>
             <a:fld id="{4509A250-FF31-4206-8172-F9D3106AACB1}" type="datetimeFigureOut">
               <a:rPr lang="en-US" dirty="0"/>
-              <a:t>12/29/2021</a:t>
+              <a:t>1/14/2022</a:t>
             </a:fld>
             <a:endParaRPr lang="en-US" dirty="0"/>
           </a:p>
@@ -1024,7 +1024,7 @@
           <a:p>
             <a:fld id="{4509A250-FF31-4206-8172-F9D3106AACB1}" type="datetimeFigureOut">
               <a:rPr lang="en-US" dirty="0"/>
-              <a:t>12/29/2021</a:t>
+              <a:t>1/14/2022</a:t>
             </a:fld>
             <a:endParaRPr lang="en-US" dirty="0"/>
           </a:p>
@@ -1351,7 +1351,7 @@
           <a:p>
             <a:fld id="{4509A250-FF31-4206-8172-F9D3106AACB1}" type="datetimeFigureOut">
               <a:rPr lang="en-US" dirty="0"/>
-              <a:t>12/29/2021</a:t>
+              <a:t>1/14/2022</a:t>
             </a:fld>
             <a:endParaRPr lang="en-US" dirty="0"/>
           </a:p>
@@ -1956,7 +1956,7 @@
           <a:p>
             <a:fld id="{4509A250-FF31-4206-8172-F9D3106AACB1}" type="datetimeFigureOut">
               <a:rPr lang="en-US" dirty="0"/>
-              <a:t>12/29/2021</a:t>
+              <a:t>1/14/2022</a:t>
             </a:fld>
             <a:endParaRPr lang="en-US" dirty="0"/>
           </a:p>
@@ -2798,7 +2798,7 @@
           <a:p>
             <a:fld id="{4509A250-FF31-4206-8172-F9D3106AACB1}" type="datetimeFigureOut">
               <a:rPr lang="en-US" dirty="0"/>
-              <a:t>12/29/2021</a:t>
+              <a:t>1/14/2022</a:t>
             </a:fld>
             <a:endParaRPr lang="en-US" dirty="0"/>
           </a:p>
@@ -2963,7 +2963,7 @@
           <a:p>
             <a:fld id="{4509A250-FF31-4206-8172-F9D3106AACB1}" type="datetimeFigureOut">
               <a:rPr lang="en-US" dirty="0"/>
-              <a:t>12/29/2021</a:t>
+              <a:t>1/14/2022</a:t>
             </a:fld>
             <a:endParaRPr lang="en-US" dirty="0"/>
           </a:p>
@@ -3138,7 +3138,7 @@
           <a:p>
             <a:fld id="{4509A250-FF31-4206-8172-F9D3106AACB1}" type="datetimeFigureOut">
               <a:rPr lang="en-US" dirty="0"/>
-              <a:t>12/29/2021</a:t>
+              <a:t>1/14/2022</a:t>
             </a:fld>
             <a:endParaRPr lang="en-US" dirty="0"/>
           </a:p>
@@ -3303,7 +3303,7 @@
           <a:p>
             <a:fld id="{4509A250-FF31-4206-8172-F9D3106AACB1}" type="datetimeFigureOut">
               <a:rPr lang="en-US" dirty="0"/>
-              <a:t>12/29/2021</a:t>
+              <a:t>1/14/2022</a:t>
             </a:fld>
             <a:endParaRPr lang="en-US" dirty="0"/>
           </a:p>
@@ -3542,7 +3542,7 @@
           <a:p>
             <a:fld id="{9796027F-7875-4030-9381-8BD8C4F21935}" type="datetimeFigureOut">
               <a:rPr lang="en-US" dirty="0"/>
-              <a:t>12/29/2021</a:t>
+              <a:t>1/14/2022</a:t>
             </a:fld>
             <a:endParaRPr lang="en-US" dirty="0"/>
           </a:p>
@@ -3829,7 +3829,7 @@
           <a:p>
             <a:fld id="{9796027F-7875-4030-9381-8BD8C4F21935}" type="datetimeFigureOut">
               <a:rPr lang="en-US" dirty="0"/>
-              <a:t>12/29/2021</a:t>
+              <a:t>1/14/2022</a:t>
             </a:fld>
             <a:endParaRPr lang="en-US" dirty="0"/>
           </a:p>
@@ -4262,7 +4262,7 @@
           <a:p>
             <a:fld id="{9796027F-7875-4030-9381-8BD8C4F21935}" type="datetimeFigureOut">
               <a:rPr lang="en-US" dirty="0"/>
-              <a:t>12/29/2021</a:t>
+              <a:t>1/14/2022</a:t>
             </a:fld>
             <a:endParaRPr lang="en-US" dirty="0"/>
           </a:p>
@@ -4375,7 +4375,7 @@
           <a:p>
             <a:fld id="{4509A250-FF31-4206-8172-F9D3106AACB1}" type="datetimeFigureOut">
               <a:rPr lang="en-US" dirty="0"/>
-              <a:t>12/29/2021</a:t>
+              <a:t>1/14/2022</a:t>
             </a:fld>
             <a:endParaRPr lang="en-US" dirty="0"/>
           </a:p>
@@ -4465,7 +4465,7 @@
           <a:p>
             <a:fld id="{4509A250-FF31-4206-8172-F9D3106AACB1}" type="datetimeFigureOut">
               <a:rPr lang="en-US" dirty="0"/>
-              <a:t>12/29/2021</a:t>
+              <a:t>1/14/2022</a:t>
             </a:fld>
             <a:endParaRPr lang="en-US" dirty="0"/>
           </a:p>
@@ -4739,7 +4739,7 @@
           <a:p>
             <a:fld id="{4509A250-FF31-4206-8172-F9D3106AACB1}" type="datetimeFigureOut">
               <a:rPr lang="en-US" dirty="0"/>
-              <a:t>12/29/2021</a:t>
+              <a:t>1/14/2022</a:t>
             </a:fld>
             <a:endParaRPr lang="en-US" dirty="0"/>
           </a:p>
@@ -5009,7 +5009,7 @@
           <a:p>
             <a:fld id="{4509A250-FF31-4206-8172-F9D3106AACB1}" type="datetimeFigureOut">
               <a:rPr lang="en-US" dirty="0"/>
-              <a:t>12/29/2021</a:t>
+              <a:t>1/14/2022</a:t>
             </a:fld>
             <a:endParaRPr lang="en-US" dirty="0"/>
           </a:p>
@@ -5433,7 +5433,7 @@
           <a:p>
             <a:fld id="{4AAD347D-5ACD-4C99-B74B-A9C85AD731AF}" type="datetimeFigureOut">
               <a:rPr lang="en-US" dirty="0"/>
-              <a:t>12/29/2021</a:t>
+              <a:t>1/14/2022</a:t>
             </a:fld>
             <a:endParaRPr lang="en-US" dirty="0"/>
           </a:p>
@@ -6269,45 +6269,46 @@
             </a:r>
             <a:r>
               <a:rPr lang="ru-RU" dirty="0" smtClean="0"/>
-              <a:t> уровня.</a:t>
-            </a:r>
-          </a:p>
-          <a:p>
-            <a:r>
-              <a:rPr lang="ru-RU" dirty="0" smtClean="0"/>
-              <a:t>Создать класс сбора статистики.</a:t>
-            </a:r>
-          </a:p>
-          <a:p>
-            <a:r>
-              <a:rPr lang="ru-RU" dirty="0" smtClean="0"/>
-              <a:t>Создать класс анимации и </a:t>
-            </a:r>
-            <a:r>
-              <a:rPr lang="ru-RU" dirty="0" err="1" smtClean="0"/>
-              <a:t>партиклов</a:t>
+              <a:t> уровня</a:t>
             </a:r>
             <a:r>
               <a:rPr lang="ru-RU" dirty="0" smtClean="0"/>
               <a:t>.</a:t>
             </a:r>
+            <a:endParaRPr lang="en-US" dirty="0" smtClean="0"/>
           </a:p>
           <a:p>
             <a:r>
               <a:rPr lang="ru-RU" dirty="0" smtClean="0"/>
-              <a:t>Создать класс главного меню.</a:t>
-            </a:r>
+              <a:t> Создать классы персонажей и препятствий .</a:t>
+            </a:r>
+            <a:endParaRPr lang="ru-RU" dirty="0" smtClean="0"/>
           </a:p>
           <a:p>
             <a:r>
               <a:rPr lang="ru-RU" dirty="0" smtClean="0"/>
-              <a:t>Создать класс взаимодействия с персонажем.</a:t>
-            </a:r>
-          </a:p>
-          <a:p>
+              <a:t>Создать класс главного меню</a:t>
+            </a:r>
             <a:r>
               <a:rPr lang="ru-RU" dirty="0" smtClean="0"/>
-              <a:t>Сделать всё это в срок.</a:t>
+              <a:t>.</a:t>
+            </a:r>
+          </a:p>
+          <a:p>
+            <a:r>
+              <a:rPr lang="ru-RU" dirty="0" smtClean="0"/>
+              <a:t>Создать редактор уровней</a:t>
+            </a:r>
+            <a:endParaRPr lang="ru-RU" dirty="0" smtClean="0"/>
+          </a:p>
+          <a:p>
+            <a:r>
+              <a:rPr lang="ru-RU" dirty="0" smtClean="0"/>
+              <a:t> Сделать </a:t>
+            </a:r>
+            <a:r>
+              <a:rPr lang="ru-RU" dirty="0" smtClean="0"/>
+              <a:t>всё это в срок.</a:t>
             </a:r>
             <a:endParaRPr lang="ru-RU" dirty="0"/>
           </a:p>
@@ -6390,20 +6391,11 @@
             </a:r>
             <a:r>
               <a:rPr lang="ru-RU" dirty="0" smtClean="0"/>
-              <a:t> – для самой игры</a:t>
-            </a:r>
-          </a:p>
-          <a:p>
-            <a:pPr marL="0" indent="0">
-              <a:buNone/>
-            </a:pPr>
-            <a:r>
-              <a:rPr lang="en-US" dirty="0" smtClean="0"/>
-              <a:t>Sqlite3 – </a:t>
+              <a:t> – для самой </a:t>
             </a:r>
             <a:r>
               <a:rPr lang="ru-RU" dirty="0" smtClean="0"/>
-              <a:t>для хранение данных.</a:t>
+              <a:t>игры</a:t>
             </a:r>
             <a:endParaRPr lang="ru-RU" dirty="0"/>
           </a:p>
@@ -6609,7 +6601,7 @@
       </p:sp>
       <p:sp>
         <p:nvSpPr>
-          <p:cNvPr id="3" name="Объект 2"/>
+          <p:cNvPr id="5" name="Объект 4"/>
           <p:cNvSpPr>
             <a:spLocks noGrp="1"/>
           </p:cNvSpPr>
@@ -6622,10 +6614,37 @@
           <a:bodyPr/>
           <a:lstStyle/>
           <a:p>
-            <a:endParaRPr lang="ru-RU"/>
-          </a:p>
-        </p:txBody>
-      </p:sp>
+            <a:r>
+              <a:rPr lang="ru-RU" dirty="0" smtClean="0"/>
+              <a:t>Цель и все поставленные задачи были выполнены</a:t>
+            </a:r>
+            <a:endParaRPr lang="ru-RU" dirty="0"/>
+          </a:p>
+        </p:txBody>
+      </p:sp>
+      <p:pic>
+        <p:nvPicPr>
+          <p:cNvPr id="6" name="Объект 3"/>
+          <p:cNvPicPr>
+            <a:picLocks noChangeAspect="1"/>
+          </p:cNvPicPr>
+          <p:nvPr/>
+        </p:nvPicPr>
+        <p:blipFill rotWithShape="1">
+          <a:blip r:embed="rId2"/>
+          <a:srcRect l="8213" t="9994" r="7717" b="9320"/>
+          <a:stretch/>
+        </p:blipFill>
+        <p:spPr>
+          <a:xfrm>
+            <a:off x="1551719" y="2632730"/>
+            <a:ext cx="6697480" cy="3615669"/>
+          </a:xfrm>
+          <a:prstGeom prst="rect">
+            <a:avLst/>
+          </a:prstGeom>
+        </p:spPr>
+      </p:pic>
     </p:spTree>
     <p:extLst>
       <p:ext uri="{BB962C8B-B14F-4D97-AF65-F5344CB8AC3E}">

--- a/Pydash.pptx
+++ b/Pydash.pptx
@@ -11,8 +11,9 @@
     <p:sldId id="259" r:id="rId5"/>
     <p:sldId id="260" r:id="rId6"/>
     <p:sldId id="261" r:id="rId7"/>
-    <p:sldId id="262" r:id="rId8"/>
-    <p:sldId id="263" r:id="rId9"/>
+    <p:sldId id="264" r:id="rId8"/>
+    <p:sldId id="262" r:id="rId9"/>
+    <p:sldId id="263" r:id="rId10"/>
   </p:sldIdLst>
   <p:sldSz cx="12192000" cy="6858000"/>
   <p:notesSz cx="6858000" cy="9144000"/>
@@ -302,7 +303,7 @@
           <a:p>
             <a:fld id="{4AAD347D-5ACD-4C99-B74B-A9C85AD731AF}" type="datetimeFigureOut">
               <a:rPr lang="en-US" dirty="0"/>
-              <a:t>1/14/2022</a:t>
+              <a:t>1/19/2022</a:t>
             </a:fld>
             <a:endParaRPr lang="en-US" dirty="0"/>
           </a:p>
@@ -572,7 +573,7 @@
           <a:p>
             <a:fld id="{4509A250-FF31-4206-8172-F9D3106AACB1}" type="datetimeFigureOut">
               <a:rPr lang="en-US" dirty="0"/>
-              <a:t>1/14/2022</a:t>
+              <a:t>1/19/2022</a:t>
             </a:fld>
             <a:endParaRPr lang="en-US" dirty="0"/>
           </a:p>
@@ -761,7 +762,7 @@
           <a:p>
             <a:fld id="{4509A250-FF31-4206-8172-F9D3106AACB1}" type="datetimeFigureOut">
               <a:rPr lang="en-US" dirty="0"/>
-              <a:t>1/14/2022</a:t>
+              <a:t>1/19/2022</a:t>
             </a:fld>
             <a:endParaRPr lang="en-US" dirty="0"/>
           </a:p>
@@ -1024,7 +1025,7 @@
           <a:p>
             <a:fld id="{4509A250-FF31-4206-8172-F9D3106AACB1}" type="datetimeFigureOut">
               <a:rPr lang="en-US" dirty="0"/>
-              <a:t>1/14/2022</a:t>
+              <a:t>1/19/2022</a:t>
             </a:fld>
             <a:endParaRPr lang="en-US" dirty="0"/>
           </a:p>
@@ -1351,7 +1352,7 @@
           <a:p>
             <a:fld id="{4509A250-FF31-4206-8172-F9D3106AACB1}" type="datetimeFigureOut">
               <a:rPr lang="en-US" dirty="0"/>
-              <a:t>1/14/2022</a:t>
+              <a:t>1/19/2022</a:t>
             </a:fld>
             <a:endParaRPr lang="en-US" dirty="0"/>
           </a:p>
@@ -1956,7 +1957,7 @@
           <a:p>
             <a:fld id="{4509A250-FF31-4206-8172-F9D3106AACB1}" type="datetimeFigureOut">
               <a:rPr lang="en-US" dirty="0"/>
-              <a:t>1/14/2022</a:t>
+              <a:t>1/19/2022</a:t>
             </a:fld>
             <a:endParaRPr lang="en-US" dirty="0"/>
           </a:p>
@@ -2798,7 +2799,7 @@
           <a:p>
             <a:fld id="{4509A250-FF31-4206-8172-F9D3106AACB1}" type="datetimeFigureOut">
               <a:rPr lang="en-US" dirty="0"/>
-              <a:t>1/14/2022</a:t>
+              <a:t>1/19/2022</a:t>
             </a:fld>
             <a:endParaRPr lang="en-US" dirty="0"/>
           </a:p>
@@ -2963,7 +2964,7 @@
           <a:p>
             <a:fld id="{4509A250-FF31-4206-8172-F9D3106AACB1}" type="datetimeFigureOut">
               <a:rPr lang="en-US" dirty="0"/>
-              <a:t>1/14/2022</a:t>
+              <a:t>1/19/2022</a:t>
             </a:fld>
             <a:endParaRPr lang="en-US" dirty="0"/>
           </a:p>
@@ -3138,7 +3139,7 @@
           <a:p>
             <a:fld id="{4509A250-FF31-4206-8172-F9D3106AACB1}" type="datetimeFigureOut">
               <a:rPr lang="en-US" dirty="0"/>
-              <a:t>1/14/2022</a:t>
+              <a:t>1/19/2022</a:t>
             </a:fld>
             <a:endParaRPr lang="en-US" dirty="0"/>
           </a:p>
@@ -3303,7 +3304,7 @@
           <a:p>
             <a:fld id="{4509A250-FF31-4206-8172-F9D3106AACB1}" type="datetimeFigureOut">
               <a:rPr lang="en-US" dirty="0"/>
-              <a:t>1/14/2022</a:t>
+              <a:t>1/19/2022</a:t>
             </a:fld>
             <a:endParaRPr lang="en-US" dirty="0"/>
           </a:p>
@@ -3542,7 +3543,7 @@
           <a:p>
             <a:fld id="{9796027F-7875-4030-9381-8BD8C4F21935}" type="datetimeFigureOut">
               <a:rPr lang="en-US" dirty="0"/>
-              <a:t>1/14/2022</a:t>
+              <a:t>1/19/2022</a:t>
             </a:fld>
             <a:endParaRPr lang="en-US" dirty="0"/>
           </a:p>
@@ -3829,7 +3830,7 @@
           <a:p>
             <a:fld id="{9796027F-7875-4030-9381-8BD8C4F21935}" type="datetimeFigureOut">
               <a:rPr lang="en-US" dirty="0"/>
-              <a:t>1/14/2022</a:t>
+              <a:t>1/19/2022</a:t>
             </a:fld>
             <a:endParaRPr lang="en-US" dirty="0"/>
           </a:p>
@@ -4262,7 +4263,7 @@
           <a:p>
             <a:fld id="{9796027F-7875-4030-9381-8BD8C4F21935}" type="datetimeFigureOut">
               <a:rPr lang="en-US" dirty="0"/>
-              <a:t>1/14/2022</a:t>
+              <a:t>1/19/2022</a:t>
             </a:fld>
             <a:endParaRPr lang="en-US" dirty="0"/>
           </a:p>
@@ -4375,7 +4376,7 @@
           <a:p>
             <a:fld id="{4509A250-FF31-4206-8172-F9D3106AACB1}" type="datetimeFigureOut">
               <a:rPr lang="en-US" dirty="0"/>
-              <a:t>1/14/2022</a:t>
+              <a:t>1/19/2022</a:t>
             </a:fld>
             <a:endParaRPr lang="en-US" dirty="0"/>
           </a:p>
@@ -4465,7 +4466,7 @@
           <a:p>
             <a:fld id="{4509A250-FF31-4206-8172-F9D3106AACB1}" type="datetimeFigureOut">
               <a:rPr lang="en-US" dirty="0"/>
-              <a:t>1/14/2022</a:t>
+              <a:t>1/19/2022</a:t>
             </a:fld>
             <a:endParaRPr lang="en-US" dirty="0"/>
           </a:p>
@@ -4739,7 +4740,7 @@
           <a:p>
             <a:fld id="{4509A250-FF31-4206-8172-F9D3106AACB1}" type="datetimeFigureOut">
               <a:rPr lang="en-US" dirty="0"/>
-              <a:t>1/14/2022</a:t>
+              <a:t>1/19/2022</a:t>
             </a:fld>
             <a:endParaRPr lang="en-US" dirty="0"/>
           </a:p>
@@ -5009,7 +5010,7 @@
           <a:p>
             <a:fld id="{4509A250-FF31-4206-8172-F9D3106AACB1}" type="datetimeFigureOut">
               <a:rPr lang="en-US" dirty="0"/>
-              <a:t>1/14/2022</a:t>
+              <a:t>1/19/2022</a:t>
             </a:fld>
             <a:endParaRPr lang="en-US" dirty="0"/>
           </a:p>
@@ -5433,7 +5434,7 @@
           <a:p>
             <a:fld id="{4AAD347D-5ACD-4C99-B74B-A9C85AD731AF}" type="datetimeFigureOut">
               <a:rPr lang="en-US" dirty="0"/>
-              <a:t>1/14/2022</a:t>
+              <a:t>1/19/2022</a:t>
             </a:fld>
             <a:endParaRPr lang="en-US" dirty="0"/>
           </a:p>
@@ -6100,16 +6101,40 @@
               <a:t>это </a:t>
             </a:r>
             <a:r>
+              <a:rPr lang="ru-RU" dirty="0" smtClean="0"/>
+              <a:t>пародия </a:t>
+            </a:r>
+            <a:r>
+              <a:rPr lang="ru-RU" dirty="0" smtClean="0"/>
+              <a:t>на игру </a:t>
+            </a:r>
+            <a:r>
               <a:rPr lang="en-US" dirty="0" smtClean="0"/>
-              <a:t>python </a:t>
+              <a:t>Geometry </a:t>
+            </a:r>
+            <a:r>
+              <a:rPr lang="en-US" dirty="0" smtClean="0"/>
+              <a:t>Dash</a:t>
             </a:r>
             <a:r>
               <a:rPr lang="ru-RU" dirty="0" smtClean="0"/>
-              <a:t>пародия на игру </a:t>
+              <a:t>, написанная на </a:t>
             </a:r>
             <a:r>
               <a:rPr lang="en-US" dirty="0" smtClean="0"/>
-              <a:t>Geometry Dash.</a:t>
+              <a:t>Python.</a:t>
+            </a:r>
+          </a:p>
+          <a:p>
+            <a:r>
+              <a:rPr lang="ru-RU" dirty="0" smtClean="0"/>
+              <a:t>Суть игры в том что игрок на каждом уровне должен, играя за квадратного персонажа, посредством прыжков преодолевать различные препятствия.</a:t>
+            </a:r>
+          </a:p>
+          <a:p>
+            <a:r>
+              <a:rPr lang="ru-RU" dirty="0" smtClean="0"/>
+              <a:t>Также в игре присутствует редактор собственных уровней.</a:t>
             </a:r>
             <a:endParaRPr lang="ru-RU" dirty="0"/>
           </a:p>
@@ -6269,11 +6294,7 @@
             </a:r>
             <a:r>
               <a:rPr lang="ru-RU" dirty="0" smtClean="0"/>
-              <a:t> уровня</a:t>
-            </a:r>
-            <a:r>
-              <a:rPr lang="ru-RU" dirty="0" smtClean="0"/>
-              <a:t>.</a:t>
+              <a:t> уровня.</a:t>
             </a:r>
             <a:endParaRPr lang="en-US" dirty="0" smtClean="0"/>
           </a:p>
@@ -6282,33 +6303,36 @@
               <a:rPr lang="ru-RU" dirty="0" smtClean="0"/>
               <a:t> Создать классы персонажей и препятствий .</a:t>
             </a:r>
+          </a:p>
+          <a:p>
+            <a:r>
+              <a:rPr lang="ru-RU" dirty="0" smtClean="0"/>
+              <a:t>Создать </a:t>
+            </a:r>
+            <a:r>
+              <a:rPr lang="ru-RU" dirty="0" smtClean="0"/>
+              <a:t>классы </a:t>
+            </a:r>
+            <a:r>
+              <a:rPr lang="ru-RU" dirty="0" smtClean="0"/>
+              <a:t>главного </a:t>
+            </a:r>
+            <a:r>
+              <a:rPr lang="ru-RU" dirty="0" smtClean="0"/>
+              <a:t>меню и меню выбора уровней.</a:t>
+            </a:r>
             <a:endParaRPr lang="ru-RU" dirty="0" smtClean="0"/>
-          </a:p>
-          <a:p>
-            <a:r>
-              <a:rPr lang="ru-RU" dirty="0" smtClean="0"/>
-              <a:t>Создать класс главного меню</a:t>
-            </a:r>
-            <a:r>
-              <a:rPr lang="ru-RU" dirty="0" smtClean="0"/>
-              <a:t>.</a:t>
-            </a:r>
           </a:p>
           <a:p>
             <a:r>
               <a:rPr lang="ru-RU" dirty="0" smtClean="0"/>
               <a:t>Создать редактор уровней</a:t>
             </a:r>
-            <a:endParaRPr lang="ru-RU" dirty="0" smtClean="0"/>
           </a:p>
           <a:p>
             <a:r>
               <a:rPr lang="ru-RU" dirty="0" smtClean="0"/>
-              <a:t> Сделать </a:t>
-            </a:r>
-            <a:r>
-              <a:rPr lang="ru-RU" dirty="0" smtClean="0"/>
-              <a:t>всё это в срок.</a:t>
+              <a:t> Сделать всё это в срок.</a:t>
             </a:r>
             <a:endParaRPr lang="ru-RU" dirty="0"/>
           </a:p>
@@ -6395,7 +6419,28 @@
             </a:r>
             <a:r>
               <a:rPr lang="ru-RU" dirty="0" smtClean="0"/>
-              <a:t>игры</a:t>
+              <a:t>игры.</a:t>
+            </a:r>
+          </a:p>
+          <a:p>
+            <a:pPr marL="0" indent="0">
+              <a:buNone/>
+            </a:pPr>
+            <a:r>
+              <a:rPr lang="en-US" dirty="0" smtClean="0"/>
+              <a:t>PyQt5  </a:t>
+            </a:r>
+            <a:r>
+              <a:rPr lang="ru-RU" dirty="0" smtClean="0"/>
+              <a:t>--</a:t>
+            </a:r>
+            <a:r>
+              <a:rPr lang="en-US" dirty="0" smtClean="0"/>
+              <a:t> </a:t>
+            </a:r>
+            <a:r>
+              <a:rPr lang="ru-RU" dirty="0" smtClean="0"/>
+              <a:t>для главного меню и меню выбора уровней.</a:t>
             </a:r>
             <a:endParaRPr lang="ru-RU" dirty="0"/>
           </a:p>
@@ -6494,8 +6539,16 @@
           <a:p>
             <a:r>
               <a:rPr lang="ru-RU" dirty="0" smtClean="0"/>
-              <a:t>Игра работает</a:t>
-            </a:r>
+              <a:t>Меню работают.</a:t>
+            </a:r>
+          </a:p>
+          <a:p>
+            <a:r>
+              <a:rPr lang="ru-RU" dirty="0" smtClean="0"/>
+              <a:t>Игра работает.</a:t>
+            </a:r>
+          </a:p>
+          <a:p>
             <a:endParaRPr lang="ru-RU" dirty="0"/>
           </a:p>
         </p:txBody>
@@ -6540,7 +6593,17 @@
           <a:p>
             <a:r>
               <a:rPr lang="ru-RU" dirty="0" smtClean="0"/>
-              <a:t>Графика не очень</a:t>
+              <a:t>Графика </a:t>
+            </a:r>
+            <a:r>
+              <a:rPr lang="ru-RU" dirty="0" smtClean="0"/>
+              <a:t>оставляет желать лучшего.</a:t>
+            </a:r>
+          </a:p>
+          <a:p>
+            <a:r>
+              <a:rPr lang="ru-RU" dirty="0" smtClean="0"/>
+              <a:t>Возможны незначительные баги.</a:t>
             </a:r>
             <a:endParaRPr lang="ru-RU" dirty="0"/>
           </a:p>
@@ -6560,6 +6623,86 @@
 </file>
 
 <file path=ppt/slides/slide7.xml><?xml version="1.0" encoding="utf-8"?>
+<p:sld xmlns:a="http://schemas.openxmlformats.org/drawingml/2006/main" xmlns:r="http://schemas.openxmlformats.org/officeDocument/2006/relationships" xmlns:p="http://schemas.openxmlformats.org/presentationml/2006/main">
+  <p:cSld>
+    <p:spTree>
+      <p:nvGrpSpPr>
+        <p:cNvPr id="1" name=""/>
+        <p:cNvGrpSpPr/>
+        <p:nvPr/>
+      </p:nvGrpSpPr>
+      <p:grpSpPr>
+        <a:xfrm>
+          <a:off x="0" y="0"/>
+          <a:ext cx="0" cy="0"/>
+          <a:chOff x="0" y="0"/>
+          <a:chExt cx="0" cy="0"/>
+        </a:xfrm>
+      </p:grpSpPr>
+      <p:sp>
+        <p:nvSpPr>
+          <p:cNvPr id="2" name="Заголовок 1"/>
+          <p:cNvSpPr>
+            <a:spLocks noGrp="1"/>
+          </p:cNvSpPr>
+          <p:nvPr>
+            <p:ph type="title"/>
+          </p:nvPr>
+        </p:nvSpPr>
+        <p:spPr/>
+        <p:txBody>
+          <a:bodyPr/>
+          <a:lstStyle/>
+          <a:p>
+            <a:r>
+              <a:rPr lang="ru-RU" dirty="0" smtClean="0"/>
+              <a:t>Потенциал и возможность развития.</a:t>
+            </a:r>
+            <a:endParaRPr lang="ru-RU" dirty="0"/>
+          </a:p>
+        </p:txBody>
+      </p:sp>
+      <p:sp>
+        <p:nvSpPr>
+          <p:cNvPr id="3" name="Объект 2"/>
+          <p:cNvSpPr>
+            <a:spLocks noGrp="1"/>
+          </p:cNvSpPr>
+          <p:nvPr>
+            <p:ph idx="1"/>
+          </p:nvPr>
+        </p:nvSpPr>
+        <p:spPr/>
+        <p:txBody>
+          <a:bodyPr/>
+          <a:lstStyle/>
+          <a:p>
+            <a:r>
+              <a:rPr lang="ru-RU" dirty="0" smtClean="0"/>
+              <a:t>В будущих обновлениях можно добавить ещё больше препятствий, новые способы передвижения игрока, музыкальный фон для уровней и возможность </a:t>
+            </a:r>
+            <a:r>
+              <a:rPr lang="ru-RU" smtClean="0"/>
+              <a:t>редактирования созданных уровней.</a:t>
+            </a:r>
+            <a:endParaRPr lang="ru-RU"/>
+          </a:p>
+        </p:txBody>
+      </p:sp>
+    </p:spTree>
+    <p:extLst>
+      <p:ext uri="{BB962C8B-B14F-4D97-AF65-F5344CB8AC3E}">
+        <p14:creationId xmlns:p14="http://schemas.microsoft.com/office/powerpoint/2010/main" val="1009818767"/>
+      </p:ext>
+    </p:extLst>
+  </p:cSld>
+  <p:clrMapOvr>
+    <a:masterClrMapping/>
+  </p:clrMapOvr>
+</p:sld>
+</file>
+
+<file path=ppt/slides/slide8.xml><?xml version="1.0" encoding="utf-8"?>
 <p:sld xmlns:a="http://schemas.openxmlformats.org/drawingml/2006/main" xmlns:r="http://schemas.openxmlformats.org/officeDocument/2006/relationships" xmlns:p="http://schemas.openxmlformats.org/presentationml/2006/main">
   <p:cSld>
     <p:spTree>
@@ -6658,7 +6801,7 @@
 </p:sld>
 </file>
 
-<file path=ppt/slides/slide8.xml><?xml version="1.0" encoding="utf-8"?>
+<file path=ppt/slides/slide9.xml><?xml version="1.0" encoding="utf-8"?>
 <p:sld xmlns:a="http://schemas.openxmlformats.org/drawingml/2006/main" xmlns:r="http://schemas.openxmlformats.org/officeDocument/2006/relationships" xmlns:p="http://schemas.openxmlformats.org/presentationml/2006/main">
   <p:cSld>
     <p:spTree>
